--- a/Docs/WateringSystemBlockDiagram.pptx
+++ b/Docs/WateringSystemBlockDiagram.pptx
@@ -105,6 +105,11 @@
       </a:defRPr>
     </a:lvl9pPr>
   </p:defaultTextStyle>
+  <p:extLst>
+    <p:ext uri="{EFAFB233-063F-42B5-8137-9DF3F51BA10A}">
+      <p15:sldGuideLst xmlns:p15="http://schemas.microsoft.com/office/powerpoint/2012/main"/>
+    </p:ext>
+  </p:extLst>
 </p:presentation>
 </file>
 
@@ -150,10 +155,9 @@
           </a:lstStyle>
           <a:p>
             <a:r>
-              <a:rPr lang="de-DE" smtClean="0"/>
+              <a:rPr lang="de-DE"/>
               <a:t>Titelmasterformat durch Klicken bearbeiten</a:t>
             </a:r>
-            <a:endParaRPr lang="de-DE"/>
           </a:p>
         </p:txBody>
       </p:sp>
@@ -215,10 +219,9 @@
           </a:lstStyle>
           <a:p>
             <a:r>
-              <a:rPr lang="de-DE" smtClean="0"/>
+              <a:rPr lang="de-DE"/>
               <a:t>Formatvorlage des Untertitelmasters durch Klicken bearbeiten</a:t>
             </a:r>
-            <a:endParaRPr lang="de-DE"/>
           </a:p>
         </p:txBody>
       </p:sp>
@@ -239,7 +242,7 @@
           <a:p>
             <a:fld id="{11E99C6E-A6F7-44FA-910D-798F7C0A98E5}" type="datetimeFigureOut">
               <a:rPr lang="de-DE" smtClean="0"/>
-              <a:t>17.04.2019</a:t>
+              <a:t>17.05.2020</a:t>
             </a:fld>
             <a:endParaRPr lang="de-DE"/>
           </a:p>
@@ -281,7 +284,7 @@
           <a:p>
             <a:fld id="{52244D5A-F7C6-4D3F-8869-0895E6247800}" type="slidenum">
               <a:rPr lang="de-DE" smtClean="0"/>
-              <a:t>‹Nr.›</a:t>
+              <a:t>‹#›</a:t>
             </a:fld>
             <a:endParaRPr lang="de-DE"/>
           </a:p>
@@ -333,10 +336,9 @@
           <a:lstStyle/>
           <a:p>
             <a:r>
-              <a:rPr lang="de-DE" smtClean="0"/>
+              <a:rPr lang="de-DE"/>
               <a:t>Titelmasterformat durch Klicken bearbeiten</a:t>
             </a:r>
-            <a:endParaRPr lang="de-DE"/>
           </a:p>
         </p:txBody>
       </p:sp>
@@ -357,38 +359,37 @@
           <a:p>
             <a:pPr lvl="0"/>
             <a:r>
-              <a:rPr lang="de-DE" smtClean="0"/>
+              <a:rPr lang="de-DE"/>
               <a:t>Textmasterformat bearbeiten</a:t>
             </a:r>
           </a:p>
           <a:p>
             <a:pPr lvl="1"/>
             <a:r>
-              <a:rPr lang="de-DE" smtClean="0"/>
+              <a:rPr lang="de-DE"/>
               <a:t>Zweite Ebene</a:t>
             </a:r>
           </a:p>
           <a:p>
             <a:pPr lvl="2"/>
             <a:r>
-              <a:rPr lang="de-DE" smtClean="0"/>
+              <a:rPr lang="de-DE"/>
               <a:t>Dritte Ebene</a:t>
             </a:r>
           </a:p>
           <a:p>
             <a:pPr lvl="3"/>
             <a:r>
-              <a:rPr lang="de-DE" smtClean="0"/>
+              <a:rPr lang="de-DE"/>
               <a:t>Vierte Ebene</a:t>
             </a:r>
           </a:p>
           <a:p>
             <a:pPr lvl="4"/>
             <a:r>
-              <a:rPr lang="de-DE" smtClean="0"/>
+              <a:rPr lang="de-DE"/>
               <a:t>Fünfte Ebene</a:t>
             </a:r>
-            <a:endParaRPr lang="de-DE"/>
           </a:p>
         </p:txBody>
       </p:sp>
@@ -409,7 +410,7 @@
           <a:p>
             <a:fld id="{11E99C6E-A6F7-44FA-910D-798F7C0A98E5}" type="datetimeFigureOut">
               <a:rPr lang="de-DE" smtClean="0"/>
-              <a:t>17.04.2019</a:t>
+              <a:t>17.05.2020</a:t>
             </a:fld>
             <a:endParaRPr lang="de-DE"/>
           </a:p>
@@ -451,7 +452,7 @@
           <a:p>
             <a:fld id="{52244D5A-F7C6-4D3F-8869-0895E6247800}" type="slidenum">
               <a:rPr lang="de-DE" smtClean="0"/>
-              <a:t>‹Nr.›</a:t>
+              <a:t>‹#›</a:t>
             </a:fld>
             <a:endParaRPr lang="de-DE"/>
           </a:p>
@@ -508,10 +509,9 @@
           <a:lstStyle/>
           <a:p>
             <a:r>
-              <a:rPr lang="de-DE" smtClean="0"/>
+              <a:rPr lang="de-DE"/>
               <a:t>Titelmasterformat durch Klicken bearbeiten</a:t>
             </a:r>
-            <a:endParaRPr lang="de-DE"/>
           </a:p>
         </p:txBody>
       </p:sp>
@@ -537,38 +537,37 @@
           <a:p>
             <a:pPr lvl="0"/>
             <a:r>
-              <a:rPr lang="de-DE" smtClean="0"/>
+              <a:rPr lang="de-DE"/>
               <a:t>Textmasterformat bearbeiten</a:t>
             </a:r>
           </a:p>
           <a:p>
             <a:pPr lvl="1"/>
             <a:r>
-              <a:rPr lang="de-DE" smtClean="0"/>
+              <a:rPr lang="de-DE"/>
               <a:t>Zweite Ebene</a:t>
             </a:r>
           </a:p>
           <a:p>
             <a:pPr lvl="2"/>
             <a:r>
-              <a:rPr lang="de-DE" smtClean="0"/>
+              <a:rPr lang="de-DE"/>
               <a:t>Dritte Ebene</a:t>
             </a:r>
           </a:p>
           <a:p>
             <a:pPr lvl="3"/>
             <a:r>
-              <a:rPr lang="de-DE" smtClean="0"/>
+              <a:rPr lang="de-DE"/>
               <a:t>Vierte Ebene</a:t>
             </a:r>
           </a:p>
           <a:p>
             <a:pPr lvl="4"/>
             <a:r>
-              <a:rPr lang="de-DE" smtClean="0"/>
+              <a:rPr lang="de-DE"/>
               <a:t>Fünfte Ebene</a:t>
             </a:r>
-            <a:endParaRPr lang="de-DE"/>
           </a:p>
         </p:txBody>
       </p:sp>
@@ -589,7 +588,7 @@
           <a:p>
             <a:fld id="{11E99C6E-A6F7-44FA-910D-798F7C0A98E5}" type="datetimeFigureOut">
               <a:rPr lang="de-DE" smtClean="0"/>
-              <a:t>17.04.2019</a:t>
+              <a:t>17.05.2020</a:t>
             </a:fld>
             <a:endParaRPr lang="de-DE"/>
           </a:p>
@@ -631,7 +630,7 @@
           <a:p>
             <a:fld id="{52244D5A-F7C6-4D3F-8869-0895E6247800}" type="slidenum">
               <a:rPr lang="de-DE" smtClean="0"/>
-              <a:t>‹Nr.›</a:t>
+              <a:t>‹#›</a:t>
             </a:fld>
             <a:endParaRPr lang="de-DE"/>
           </a:p>
@@ -683,10 +682,9 @@
           <a:lstStyle/>
           <a:p>
             <a:r>
-              <a:rPr lang="de-DE" smtClean="0"/>
+              <a:rPr lang="de-DE"/>
               <a:t>Titelmasterformat durch Klicken bearbeiten</a:t>
             </a:r>
-            <a:endParaRPr lang="de-DE"/>
           </a:p>
         </p:txBody>
       </p:sp>
@@ -707,38 +705,37 @@
           <a:p>
             <a:pPr lvl="0"/>
             <a:r>
-              <a:rPr lang="de-DE" smtClean="0"/>
+              <a:rPr lang="de-DE"/>
               <a:t>Textmasterformat bearbeiten</a:t>
             </a:r>
           </a:p>
           <a:p>
             <a:pPr lvl="1"/>
             <a:r>
-              <a:rPr lang="de-DE" smtClean="0"/>
+              <a:rPr lang="de-DE"/>
               <a:t>Zweite Ebene</a:t>
             </a:r>
           </a:p>
           <a:p>
             <a:pPr lvl="2"/>
             <a:r>
-              <a:rPr lang="de-DE" smtClean="0"/>
+              <a:rPr lang="de-DE"/>
               <a:t>Dritte Ebene</a:t>
             </a:r>
           </a:p>
           <a:p>
             <a:pPr lvl="3"/>
             <a:r>
-              <a:rPr lang="de-DE" smtClean="0"/>
+              <a:rPr lang="de-DE"/>
               <a:t>Vierte Ebene</a:t>
             </a:r>
           </a:p>
           <a:p>
             <a:pPr lvl="4"/>
             <a:r>
-              <a:rPr lang="de-DE" smtClean="0"/>
+              <a:rPr lang="de-DE"/>
               <a:t>Fünfte Ebene</a:t>
             </a:r>
-            <a:endParaRPr lang="de-DE"/>
           </a:p>
         </p:txBody>
       </p:sp>
@@ -759,7 +756,7 @@
           <a:p>
             <a:fld id="{11E99C6E-A6F7-44FA-910D-798F7C0A98E5}" type="datetimeFigureOut">
               <a:rPr lang="de-DE" smtClean="0"/>
-              <a:t>17.04.2019</a:t>
+              <a:t>17.05.2020</a:t>
             </a:fld>
             <a:endParaRPr lang="de-DE"/>
           </a:p>
@@ -801,7 +798,7 @@
           <a:p>
             <a:fld id="{52244D5A-F7C6-4D3F-8869-0895E6247800}" type="slidenum">
               <a:rPr lang="de-DE" smtClean="0"/>
-              <a:t>‹Nr.›</a:t>
+              <a:t>‹#›</a:t>
             </a:fld>
             <a:endParaRPr lang="de-DE"/>
           </a:p>
@@ -862,10 +859,9 @@
           </a:lstStyle>
           <a:p>
             <a:r>
-              <a:rPr lang="de-DE" smtClean="0"/>
+              <a:rPr lang="de-DE"/>
               <a:t>Titelmasterformat durch Klicken bearbeiten</a:t>
             </a:r>
-            <a:endParaRPr lang="de-DE"/>
           </a:p>
         </p:txBody>
       </p:sp>
@@ -982,7 +978,7 @@
           <a:p>
             <a:pPr lvl="0"/>
             <a:r>
-              <a:rPr lang="de-DE" smtClean="0"/>
+              <a:rPr lang="de-DE"/>
               <a:t>Textmasterformat bearbeiten</a:t>
             </a:r>
           </a:p>
@@ -1005,7 +1001,7 @@
           <a:p>
             <a:fld id="{11E99C6E-A6F7-44FA-910D-798F7C0A98E5}" type="datetimeFigureOut">
               <a:rPr lang="de-DE" smtClean="0"/>
-              <a:t>17.04.2019</a:t>
+              <a:t>17.05.2020</a:t>
             </a:fld>
             <a:endParaRPr lang="de-DE"/>
           </a:p>
@@ -1047,7 +1043,7 @@
           <a:p>
             <a:fld id="{52244D5A-F7C6-4D3F-8869-0895E6247800}" type="slidenum">
               <a:rPr lang="de-DE" smtClean="0"/>
-              <a:t>‹Nr.›</a:t>
+              <a:t>‹#›</a:t>
             </a:fld>
             <a:endParaRPr lang="de-DE"/>
           </a:p>
@@ -1099,10 +1095,9 @@
           <a:lstStyle/>
           <a:p>
             <a:r>
-              <a:rPr lang="de-DE" smtClean="0"/>
+              <a:rPr lang="de-DE"/>
               <a:t>Titelmasterformat durch Klicken bearbeiten</a:t>
             </a:r>
-            <a:endParaRPr lang="de-DE"/>
           </a:p>
         </p:txBody>
       </p:sp>
@@ -1128,38 +1123,37 @@
           <a:p>
             <a:pPr lvl="0"/>
             <a:r>
-              <a:rPr lang="de-DE" smtClean="0"/>
+              <a:rPr lang="de-DE"/>
               <a:t>Textmasterformat bearbeiten</a:t>
             </a:r>
           </a:p>
           <a:p>
             <a:pPr lvl="1"/>
             <a:r>
-              <a:rPr lang="de-DE" smtClean="0"/>
+              <a:rPr lang="de-DE"/>
               <a:t>Zweite Ebene</a:t>
             </a:r>
           </a:p>
           <a:p>
             <a:pPr lvl="2"/>
             <a:r>
-              <a:rPr lang="de-DE" smtClean="0"/>
+              <a:rPr lang="de-DE"/>
               <a:t>Dritte Ebene</a:t>
             </a:r>
           </a:p>
           <a:p>
             <a:pPr lvl="3"/>
             <a:r>
-              <a:rPr lang="de-DE" smtClean="0"/>
+              <a:rPr lang="de-DE"/>
               <a:t>Vierte Ebene</a:t>
             </a:r>
           </a:p>
           <a:p>
             <a:pPr lvl="4"/>
             <a:r>
-              <a:rPr lang="de-DE" smtClean="0"/>
+              <a:rPr lang="de-DE"/>
               <a:t>Fünfte Ebene</a:t>
             </a:r>
-            <a:endParaRPr lang="de-DE"/>
           </a:p>
         </p:txBody>
       </p:sp>
@@ -1185,38 +1179,37 @@
           <a:p>
             <a:pPr lvl="0"/>
             <a:r>
-              <a:rPr lang="de-DE" smtClean="0"/>
+              <a:rPr lang="de-DE"/>
               <a:t>Textmasterformat bearbeiten</a:t>
             </a:r>
           </a:p>
           <a:p>
             <a:pPr lvl="1"/>
             <a:r>
-              <a:rPr lang="de-DE" smtClean="0"/>
+              <a:rPr lang="de-DE"/>
               <a:t>Zweite Ebene</a:t>
             </a:r>
           </a:p>
           <a:p>
             <a:pPr lvl="2"/>
             <a:r>
-              <a:rPr lang="de-DE" smtClean="0"/>
+              <a:rPr lang="de-DE"/>
               <a:t>Dritte Ebene</a:t>
             </a:r>
           </a:p>
           <a:p>
             <a:pPr lvl="3"/>
             <a:r>
-              <a:rPr lang="de-DE" smtClean="0"/>
+              <a:rPr lang="de-DE"/>
               <a:t>Vierte Ebene</a:t>
             </a:r>
           </a:p>
           <a:p>
             <a:pPr lvl="4"/>
             <a:r>
-              <a:rPr lang="de-DE" smtClean="0"/>
+              <a:rPr lang="de-DE"/>
               <a:t>Fünfte Ebene</a:t>
             </a:r>
-            <a:endParaRPr lang="de-DE"/>
           </a:p>
         </p:txBody>
       </p:sp>
@@ -1237,7 +1230,7 @@
           <a:p>
             <a:fld id="{11E99C6E-A6F7-44FA-910D-798F7C0A98E5}" type="datetimeFigureOut">
               <a:rPr lang="de-DE" smtClean="0"/>
-              <a:t>17.04.2019</a:t>
+              <a:t>17.05.2020</a:t>
             </a:fld>
             <a:endParaRPr lang="de-DE"/>
           </a:p>
@@ -1279,7 +1272,7 @@
           <a:p>
             <a:fld id="{52244D5A-F7C6-4D3F-8869-0895E6247800}" type="slidenum">
               <a:rPr lang="de-DE" smtClean="0"/>
-              <a:t>‹Nr.›</a:t>
+              <a:t>‹#›</a:t>
             </a:fld>
             <a:endParaRPr lang="de-DE"/>
           </a:p>
@@ -1336,10 +1329,9 @@
           <a:lstStyle/>
           <a:p>
             <a:r>
-              <a:rPr lang="de-DE" smtClean="0"/>
+              <a:rPr lang="de-DE"/>
               <a:t>Titelmasterformat durch Klicken bearbeiten</a:t>
             </a:r>
-            <a:endParaRPr lang="de-DE"/>
           </a:p>
         </p:txBody>
       </p:sp>
@@ -1402,7 +1394,7 @@
           <a:p>
             <a:pPr lvl="0"/>
             <a:r>
-              <a:rPr lang="de-DE" smtClean="0"/>
+              <a:rPr lang="de-DE"/>
               <a:t>Textmasterformat bearbeiten</a:t>
             </a:r>
           </a:p>
@@ -1430,38 +1422,37 @@
           <a:p>
             <a:pPr lvl="0"/>
             <a:r>
-              <a:rPr lang="de-DE" smtClean="0"/>
+              <a:rPr lang="de-DE"/>
               <a:t>Textmasterformat bearbeiten</a:t>
             </a:r>
           </a:p>
           <a:p>
             <a:pPr lvl="1"/>
             <a:r>
-              <a:rPr lang="de-DE" smtClean="0"/>
+              <a:rPr lang="de-DE"/>
               <a:t>Zweite Ebene</a:t>
             </a:r>
           </a:p>
           <a:p>
             <a:pPr lvl="2"/>
             <a:r>
-              <a:rPr lang="de-DE" smtClean="0"/>
+              <a:rPr lang="de-DE"/>
               <a:t>Dritte Ebene</a:t>
             </a:r>
           </a:p>
           <a:p>
             <a:pPr lvl="3"/>
             <a:r>
-              <a:rPr lang="de-DE" smtClean="0"/>
+              <a:rPr lang="de-DE"/>
               <a:t>Vierte Ebene</a:t>
             </a:r>
           </a:p>
           <a:p>
             <a:pPr lvl="4"/>
             <a:r>
-              <a:rPr lang="de-DE" smtClean="0"/>
+              <a:rPr lang="de-DE"/>
               <a:t>Fünfte Ebene</a:t>
             </a:r>
-            <a:endParaRPr lang="de-DE"/>
           </a:p>
         </p:txBody>
       </p:sp>
@@ -1524,7 +1515,7 @@
           <a:p>
             <a:pPr lvl="0"/>
             <a:r>
-              <a:rPr lang="de-DE" smtClean="0"/>
+              <a:rPr lang="de-DE"/>
               <a:t>Textmasterformat bearbeiten</a:t>
             </a:r>
           </a:p>
@@ -1552,38 +1543,37 @@
           <a:p>
             <a:pPr lvl="0"/>
             <a:r>
-              <a:rPr lang="de-DE" smtClean="0"/>
+              <a:rPr lang="de-DE"/>
               <a:t>Textmasterformat bearbeiten</a:t>
             </a:r>
           </a:p>
           <a:p>
             <a:pPr lvl="1"/>
             <a:r>
-              <a:rPr lang="de-DE" smtClean="0"/>
+              <a:rPr lang="de-DE"/>
               <a:t>Zweite Ebene</a:t>
             </a:r>
           </a:p>
           <a:p>
             <a:pPr lvl="2"/>
             <a:r>
-              <a:rPr lang="de-DE" smtClean="0"/>
+              <a:rPr lang="de-DE"/>
               <a:t>Dritte Ebene</a:t>
             </a:r>
           </a:p>
           <a:p>
             <a:pPr lvl="3"/>
             <a:r>
-              <a:rPr lang="de-DE" smtClean="0"/>
+              <a:rPr lang="de-DE"/>
               <a:t>Vierte Ebene</a:t>
             </a:r>
           </a:p>
           <a:p>
             <a:pPr lvl="4"/>
             <a:r>
-              <a:rPr lang="de-DE" smtClean="0"/>
+              <a:rPr lang="de-DE"/>
               <a:t>Fünfte Ebene</a:t>
             </a:r>
-            <a:endParaRPr lang="de-DE"/>
           </a:p>
         </p:txBody>
       </p:sp>
@@ -1604,7 +1594,7 @@
           <a:p>
             <a:fld id="{11E99C6E-A6F7-44FA-910D-798F7C0A98E5}" type="datetimeFigureOut">
               <a:rPr lang="de-DE" smtClean="0"/>
-              <a:t>17.04.2019</a:t>
+              <a:t>17.05.2020</a:t>
             </a:fld>
             <a:endParaRPr lang="de-DE"/>
           </a:p>
@@ -1646,7 +1636,7 @@
           <a:p>
             <a:fld id="{52244D5A-F7C6-4D3F-8869-0895E6247800}" type="slidenum">
               <a:rPr lang="de-DE" smtClean="0"/>
-              <a:t>‹Nr.›</a:t>
+              <a:t>‹#›</a:t>
             </a:fld>
             <a:endParaRPr lang="de-DE"/>
           </a:p>
@@ -1698,10 +1688,9 @@
           <a:lstStyle/>
           <a:p>
             <a:r>
-              <a:rPr lang="de-DE" smtClean="0"/>
+              <a:rPr lang="de-DE"/>
               <a:t>Titelmasterformat durch Klicken bearbeiten</a:t>
             </a:r>
-            <a:endParaRPr lang="de-DE"/>
           </a:p>
         </p:txBody>
       </p:sp>
@@ -1722,7 +1711,7 @@
           <a:p>
             <a:fld id="{11E99C6E-A6F7-44FA-910D-798F7C0A98E5}" type="datetimeFigureOut">
               <a:rPr lang="de-DE" smtClean="0"/>
-              <a:t>17.04.2019</a:t>
+              <a:t>17.05.2020</a:t>
             </a:fld>
             <a:endParaRPr lang="de-DE"/>
           </a:p>
@@ -1764,7 +1753,7 @@
           <a:p>
             <a:fld id="{52244D5A-F7C6-4D3F-8869-0895E6247800}" type="slidenum">
               <a:rPr lang="de-DE" smtClean="0"/>
-              <a:t>‹Nr.›</a:t>
+              <a:t>‹#›</a:t>
             </a:fld>
             <a:endParaRPr lang="de-DE"/>
           </a:p>
@@ -1817,7 +1806,7 @@
           <a:p>
             <a:fld id="{11E99C6E-A6F7-44FA-910D-798F7C0A98E5}" type="datetimeFigureOut">
               <a:rPr lang="de-DE" smtClean="0"/>
-              <a:t>17.04.2019</a:t>
+              <a:t>17.05.2020</a:t>
             </a:fld>
             <a:endParaRPr lang="de-DE"/>
           </a:p>
@@ -1859,7 +1848,7 @@
           <a:p>
             <a:fld id="{52244D5A-F7C6-4D3F-8869-0895E6247800}" type="slidenum">
               <a:rPr lang="de-DE" smtClean="0"/>
-              <a:t>‹Nr.›</a:t>
+              <a:t>‹#›</a:t>
             </a:fld>
             <a:endParaRPr lang="de-DE"/>
           </a:p>
@@ -1920,10 +1909,9 @@
           </a:lstStyle>
           <a:p>
             <a:r>
-              <a:rPr lang="de-DE" smtClean="0"/>
+              <a:rPr lang="de-DE"/>
               <a:t>Titelmasterformat durch Klicken bearbeiten</a:t>
             </a:r>
-            <a:endParaRPr lang="de-DE"/>
           </a:p>
         </p:txBody>
       </p:sp>
@@ -1977,38 +1965,37 @@
           <a:p>
             <a:pPr lvl="0"/>
             <a:r>
-              <a:rPr lang="de-DE" smtClean="0"/>
+              <a:rPr lang="de-DE"/>
               <a:t>Textmasterformat bearbeiten</a:t>
             </a:r>
           </a:p>
           <a:p>
             <a:pPr lvl="1"/>
             <a:r>
-              <a:rPr lang="de-DE" smtClean="0"/>
+              <a:rPr lang="de-DE"/>
               <a:t>Zweite Ebene</a:t>
             </a:r>
           </a:p>
           <a:p>
             <a:pPr lvl="2"/>
             <a:r>
-              <a:rPr lang="de-DE" smtClean="0"/>
+              <a:rPr lang="de-DE"/>
               <a:t>Dritte Ebene</a:t>
             </a:r>
           </a:p>
           <a:p>
             <a:pPr lvl="3"/>
             <a:r>
-              <a:rPr lang="de-DE" smtClean="0"/>
+              <a:rPr lang="de-DE"/>
               <a:t>Vierte Ebene</a:t>
             </a:r>
           </a:p>
           <a:p>
             <a:pPr lvl="4"/>
             <a:r>
-              <a:rPr lang="de-DE" smtClean="0"/>
+              <a:rPr lang="de-DE"/>
               <a:t>Fünfte Ebene</a:t>
             </a:r>
-            <a:endParaRPr lang="de-DE"/>
           </a:p>
         </p:txBody>
       </p:sp>
@@ -2071,7 +2058,7 @@
           <a:p>
             <a:pPr lvl="0"/>
             <a:r>
-              <a:rPr lang="de-DE" smtClean="0"/>
+              <a:rPr lang="de-DE"/>
               <a:t>Textmasterformat bearbeiten</a:t>
             </a:r>
           </a:p>
@@ -2094,7 +2081,7 @@
           <a:p>
             <a:fld id="{11E99C6E-A6F7-44FA-910D-798F7C0A98E5}" type="datetimeFigureOut">
               <a:rPr lang="de-DE" smtClean="0"/>
-              <a:t>17.04.2019</a:t>
+              <a:t>17.05.2020</a:t>
             </a:fld>
             <a:endParaRPr lang="de-DE"/>
           </a:p>
@@ -2136,7 +2123,7 @@
           <a:p>
             <a:fld id="{52244D5A-F7C6-4D3F-8869-0895E6247800}" type="slidenum">
               <a:rPr lang="de-DE" smtClean="0"/>
-              <a:t>‹Nr.›</a:t>
+              <a:t>‹#›</a:t>
             </a:fld>
             <a:endParaRPr lang="de-DE"/>
           </a:p>
@@ -2197,10 +2184,9 @@
           </a:lstStyle>
           <a:p>
             <a:r>
-              <a:rPr lang="de-DE" smtClean="0"/>
+              <a:rPr lang="de-DE"/>
               <a:t>Titelmasterformat durch Klicken bearbeiten</a:t>
             </a:r>
-            <a:endParaRPr lang="de-DE"/>
           </a:p>
         </p:txBody>
       </p:sp>
@@ -2324,7 +2310,7 @@
           <a:p>
             <a:pPr lvl="0"/>
             <a:r>
-              <a:rPr lang="de-DE" smtClean="0"/>
+              <a:rPr lang="de-DE"/>
               <a:t>Textmasterformat bearbeiten</a:t>
             </a:r>
           </a:p>
@@ -2347,7 +2333,7 @@
           <a:p>
             <a:fld id="{11E99C6E-A6F7-44FA-910D-798F7C0A98E5}" type="datetimeFigureOut">
               <a:rPr lang="de-DE" smtClean="0"/>
-              <a:t>17.04.2019</a:t>
+              <a:t>17.05.2020</a:t>
             </a:fld>
             <a:endParaRPr lang="de-DE"/>
           </a:p>
@@ -2389,7 +2375,7 @@
           <a:p>
             <a:fld id="{52244D5A-F7C6-4D3F-8869-0895E6247800}" type="slidenum">
               <a:rPr lang="de-DE" smtClean="0"/>
-              <a:t>‹Nr.›</a:t>
+              <a:t>‹#›</a:t>
             </a:fld>
             <a:endParaRPr lang="de-DE"/>
           </a:p>
@@ -2456,10 +2442,9 @@
           <a:lstStyle/>
           <a:p>
             <a:r>
-              <a:rPr lang="de-DE" smtClean="0"/>
+              <a:rPr lang="de-DE"/>
               <a:t>Titelmasterformat durch Klicken bearbeiten</a:t>
             </a:r>
-            <a:endParaRPr lang="de-DE"/>
           </a:p>
         </p:txBody>
       </p:sp>
@@ -2490,38 +2475,37 @@
           <a:p>
             <a:pPr lvl="0"/>
             <a:r>
-              <a:rPr lang="de-DE" smtClean="0"/>
+              <a:rPr lang="de-DE"/>
               <a:t>Textmasterformat bearbeiten</a:t>
             </a:r>
           </a:p>
           <a:p>
             <a:pPr lvl="1"/>
             <a:r>
-              <a:rPr lang="de-DE" smtClean="0"/>
+              <a:rPr lang="de-DE"/>
               <a:t>Zweite Ebene</a:t>
             </a:r>
           </a:p>
           <a:p>
             <a:pPr lvl="2"/>
             <a:r>
-              <a:rPr lang="de-DE" smtClean="0"/>
+              <a:rPr lang="de-DE"/>
               <a:t>Dritte Ebene</a:t>
             </a:r>
           </a:p>
           <a:p>
             <a:pPr lvl="3"/>
             <a:r>
-              <a:rPr lang="de-DE" smtClean="0"/>
+              <a:rPr lang="de-DE"/>
               <a:t>Vierte Ebene</a:t>
             </a:r>
           </a:p>
           <a:p>
             <a:pPr lvl="4"/>
             <a:r>
-              <a:rPr lang="de-DE" smtClean="0"/>
+              <a:rPr lang="de-DE"/>
               <a:t>Fünfte Ebene</a:t>
             </a:r>
-            <a:endParaRPr lang="de-DE"/>
           </a:p>
         </p:txBody>
       </p:sp>
@@ -2560,7 +2544,7 @@
           <a:p>
             <a:fld id="{11E99C6E-A6F7-44FA-910D-798F7C0A98E5}" type="datetimeFigureOut">
               <a:rPr lang="de-DE" smtClean="0"/>
-              <a:t>17.04.2019</a:t>
+              <a:t>17.05.2020</a:t>
             </a:fld>
             <a:endParaRPr lang="de-DE"/>
           </a:p>
@@ -2638,7 +2622,7 @@
           <a:p>
             <a:fld id="{52244D5A-F7C6-4D3F-8869-0895E6247800}" type="slidenum">
               <a:rPr lang="de-DE" smtClean="0"/>
-              <a:t>‹Nr.›</a:t>
+              <a:t>‹#›</a:t>
             </a:fld>
             <a:endParaRPr lang="de-DE"/>
           </a:p>
@@ -3011,7 +2995,7 @@
           <a:lstStyle/>
           <a:p>
             <a:pPr algn="ctr"/>
-            <a:endParaRPr lang="de-DE" dirty="0"/>
+            <a:endParaRPr lang="en-GB"/>
           </a:p>
         </p:txBody>
       </p:sp>
@@ -3023,7 +3007,7 @@
         </p:nvSpPr>
         <p:spPr>
           <a:xfrm>
-            <a:off x="43890" y="4434779"/>
+            <a:off x="2671150" y="5730192"/>
             <a:ext cx="1361463" cy="369332"/>
           </a:xfrm>
           <a:prstGeom prst="rect">
@@ -3038,14 +3022,9 @@
           <a:p>
             <a:pPr algn="ctr"/>
             <a:r>
-              <a:rPr lang="de-DE" dirty="0" smtClean="0"/>
-              <a:t>Big </a:t>
-            </a:r>
-            <a:r>
-              <a:rPr lang="de-DE" dirty="0" err="1" smtClean="0"/>
-              <a:t>reservoir</a:t>
-            </a:r>
-            <a:endParaRPr lang="de-DE" dirty="0"/>
+              <a:rPr lang="en-GB" dirty="0"/>
+              <a:t>Big reservoir</a:t>
+            </a:r>
           </a:p>
         </p:txBody>
       </p:sp>
@@ -3057,7 +3036,7 @@
         </p:nvSpPr>
         <p:spPr>
           <a:xfrm>
-            <a:off x="133850" y="3723099"/>
+            <a:off x="431159" y="3974233"/>
             <a:ext cx="1271503" cy="369332"/>
           </a:xfrm>
           <a:prstGeom prst="rect">
@@ -3072,18 +3051,9 @@
           <a:p>
             <a:pPr algn="ctr"/>
             <a:r>
-              <a:rPr lang="de-DE" dirty="0" err="1" smtClean="0"/>
-              <a:t>Rule</a:t>
-            </a:r>
-            <a:r>
-              <a:rPr lang="de-DE" dirty="0" smtClean="0"/>
-              <a:t> </a:t>
-            </a:r>
-            <a:r>
-              <a:rPr lang="de-DE" dirty="0" err="1" smtClean="0"/>
-              <a:t>sensor</a:t>
-            </a:r>
-            <a:endParaRPr lang="de-DE" dirty="0"/>
+              <a:rPr lang="en-GB" dirty="0"/>
+              <a:t>Rule sensor</a:t>
+            </a:r>
           </a:p>
         </p:txBody>
       </p:sp>
@@ -3126,7 +3096,7 @@
           <a:lstStyle/>
           <a:p>
             <a:pPr algn="ctr"/>
-            <a:endParaRPr lang="de-DE" dirty="0"/>
+            <a:endParaRPr lang="en-GB"/>
           </a:p>
         </p:txBody>
       </p:sp>
@@ -3153,10 +3123,9 @@
           <a:p>
             <a:pPr algn="ctr"/>
             <a:r>
-              <a:rPr lang="de-DE" dirty="0" err="1" smtClean="0"/>
+              <a:rPr lang="en-GB"/>
               <a:t>Full</a:t>
             </a:r>
-            <a:endParaRPr lang="de-DE" dirty="0"/>
           </a:p>
         </p:txBody>
       </p:sp>
@@ -3183,10 +3152,9 @@
           <a:p>
             <a:pPr algn="ctr"/>
             <a:r>
-              <a:rPr lang="de-DE" dirty="0" err="1" smtClean="0"/>
+              <a:rPr lang="en-GB"/>
               <a:t>Refill</a:t>
             </a:r>
-            <a:endParaRPr lang="de-DE" dirty="0"/>
           </a:p>
         </p:txBody>
       </p:sp>
@@ -3213,10 +3181,9 @@
           <a:p>
             <a:pPr algn="ctr"/>
             <a:r>
-              <a:rPr lang="de-DE" dirty="0" smtClean="0"/>
+              <a:rPr lang="en-GB"/>
               <a:t>Empty</a:t>
             </a:r>
-            <a:endParaRPr lang="de-DE" dirty="0"/>
           </a:p>
         </p:txBody>
       </p:sp>
@@ -3228,8 +3195,8 @@
         </p:nvSpPr>
         <p:spPr>
           <a:xfrm>
-            <a:off x="5589919" y="1483745"/>
-            <a:ext cx="1716656" cy="1716656"/>
+            <a:off x="5589919" y="1510379"/>
+            <a:ext cx="1094778" cy="1716656"/>
           </a:xfrm>
           <a:prstGeom prst="rect">
             <a:avLst/>
@@ -3266,7 +3233,7 @@
           <a:lstStyle/>
           <a:p>
             <a:pPr algn="ctr"/>
-            <a:endParaRPr lang="de-DE" dirty="0"/>
+            <a:endParaRPr lang="en-GB"/>
           </a:p>
         </p:txBody>
       </p:sp>
@@ -3278,7 +3245,7 @@
         </p:nvSpPr>
         <p:spPr>
           <a:xfrm>
-            <a:off x="7306575" y="1508210"/>
+            <a:off x="6658975" y="1999375"/>
             <a:ext cx="1581075" cy="369332"/>
           </a:xfrm>
           <a:prstGeom prst="rect">
@@ -3293,18 +3260,9 @@
           <a:p>
             <a:pPr algn="ctr"/>
             <a:r>
-              <a:rPr lang="de-DE" dirty="0" smtClean="0"/>
-              <a:t>Small</a:t>
-            </a:r>
-            <a:r>
-              <a:rPr lang="de-DE" dirty="0" smtClean="0"/>
-              <a:t> </a:t>
-            </a:r>
-            <a:r>
-              <a:rPr lang="de-DE" dirty="0" err="1" smtClean="0"/>
-              <a:t>reservoir</a:t>
-            </a:r>
-            <a:endParaRPr lang="de-DE" dirty="0"/>
+              <a:rPr lang="en-GB"/>
+              <a:t>Small reservoir</a:t>
+            </a:r>
           </a:p>
         </p:txBody>
       </p:sp>
@@ -3312,14 +3270,15 @@
         <p:nvCxnSpPr>
           <p:cNvPr id="14" name="Gerader Verbinder 13"/>
           <p:cNvCxnSpPr>
+            <a:cxnSpLocks/>
             <a:endCxn id="11" idx="0"/>
           </p:cNvCxnSpPr>
           <p:nvPr/>
         </p:nvCxnSpPr>
         <p:spPr>
           <a:xfrm rot="5400000" flipH="1" flipV="1">
-            <a:off x="1957479" y="2102526"/>
-            <a:ext cx="5109549" cy="3871988"/>
+            <a:off x="1802009" y="2284630"/>
+            <a:ext cx="5109550" cy="3561048"/>
           </a:xfrm>
           <a:prstGeom prst="bentConnector3">
             <a:avLst>
@@ -3355,7 +3314,7 @@
         </p:nvSpPr>
         <p:spPr>
           <a:xfrm>
-            <a:off x="5671119" y="1317549"/>
+            <a:off x="5671119" y="1327166"/>
             <a:ext cx="238068" cy="350098"/>
           </a:xfrm>
           <a:prstGeom prst="rect">
@@ -3386,7 +3345,7 @@
           <a:lstStyle/>
           <a:p>
             <a:pPr algn="ctr"/>
-            <a:endParaRPr lang="de-DE" dirty="0"/>
+            <a:endParaRPr lang="en-GB"/>
           </a:p>
         </p:txBody>
       </p:sp>
@@ -3398,7 +3357,7 @@
         </p:nvSpPr>
         <p:spPr>
           <a:xfrm>
-            <a:off x="4054261" y="1317549"/>
+            <a:off x="4912586" y="856262"/>
             <a:ext cx="1354666" cy="369332"/>
           </a:xfrm>
           <a:prstGeom prst="rect">
@@ -3413,10 +3372,9 @@
           <a:p>
             <a:pPr algn="ctr"/>
             <a:r>
-              <a:rPr lang="de-DE" dirty="0" smtClean="0"/>
+              <a:rPr lang="en-GB" dirty="0"/>
               <a:t>Level Sensor</a:t>
             </a:r>
-            <a:endParaRPr lang="de-DE" dirty="0"/>
           </a:p>
         </p:txBody>
       </p:sp>
@@ -3461,7 +3419,7 @@
           <a:lstStyle/>
           <a:p>
             <a:pPr algn="ctr"/>
-            <a:endParaRPr lang="de-DE" dirty="0"/>
+            <a:endParaRPr lang="en-GB"/>
           </a:p>
         </p:txBody>
       </p:sp>
@@ -3488,10 +3446,9 @@
           <a:p>
             <a:pPr algn="ctr"/>
             <a:r>
-              <a:rPr lang="de-DE" dirty="0" smtClean="0"/>
+              <a:rPr lang="en-GB"/>
               <a:t>Motor</a:t>
             </a:r>
-            <a:endParaRPr lang="de-DE" dirty="0"/>
           </a:p>
         </p:txBody>
       </p:sp>
@@ -3541,7 +3498,7 @@
           <a:lstStyle/>
           <a:p>
             <a:pPr algn="ctr"/>
-            <a:endParaRPr lang="de-DE" dirty="0"/>
+            <a:endParaRPr lang="en-GB"/>
           </a:p>
         </p:txBody>
       </p:sp>
@@ -3568,10 +3525,9 @@
           <a:p>
             <a:pPr algn="ctr"/>
             <a:r>
-              <a:rPr lang="de-DE" dirty="0" err="1" smtClean="0"/>
+              <a:rPr lang="en-GB"/>
               <a:t>Arduino</a:t>
             </a:r>
-            <a:endParaRPr lang="de-DE" dirty="0"/>
           </a:p>
         </p:txBody>
       </p:sp>
@@ -3622,10 +3578,9 @@
           <a:p>
             <a:pPr algn="ctr"/>
             <a:r>
-              <a:rPr lang="de-DE" dirty="0" smtClean="0"/>
+              <a:rPr lang="en-GB"/>
               <a:t>WIFI</a:t>
             </a:r>
-            <a:endParaRPr lang="de-DE" dirty="0"/>
           </a:p>
         </p:txBody>
       </p:sp>
@@ -3676,10 +3631,9 @@
           <a:p>
             <a:pPr algn="ctr"/>
             <a:r>
-              <a:rPr lang="de-DE" dirty="0" smtClean="0"/>
+              <a:rPr lang="en-GB"/>
               <a:t>LCD</a:t>
             </a:r>
-            <a:endParaRPr lang="de-DE" dirty="0"/>
           </a:p>
         </p:txBody>
       </p:sp>
@@ -3730,17 +3684,16 @@
           <a:p>
             <a:pPr algn="ctr"/>
             <a:r>
-              <a:rPr lang="de-DE" dirty="0" smtClean="0"/>
+              <a:rPr lang="en-GB"/>
               <a:t>Yellow</a:t>
             </a:r>
           </a:p>
           <a:p>
             <a:pPr algn="ctr"/>
             <a:r>
-              <a:rPr lang="de-DE" dirty="0" smtClean="0"/>
+              <a:rPr lang="en-GB"/>
               <a:t>LED</a:t>
             </a:r>
-            <a:endParaRPr lang="de-DE" dirty="0"/>
           </a:p>
         </p:txBody>
       </p:sp>
@@ -3791,18 +3744,16 @@
           <a:p>
             <a:pPr algn="ctr"/>
             <a:r>
-              <a:rPr lang="de-DE" dirty="0" err="1" smtClean="0"/>
+              <a:rPr lang="en-GB"/>
               <a:t>Red</a:t>
             </a:r>
-            <a:endParaRPr lang="de-DE" dirty="0" smtClean="0"/>
           </a:p>
           <a:p>
             <a:pPr algn="ctr"/>
             <a:r>
-              <a:rPr lang="de-DE" dirty="0" smtClean="0"/>
+              <a:rPr lang="en-GB"/>
               <a:t>LED</a:t>
             </a:r>
-            <a:endParaRPr lang="de-DE" dirty="0"/>
           </a:p>
         </p:txBody>
       </p:sp>
@@ -3810,20 +3761,19 @@
         <p:nvCxnSpPr>
           <p:cNvPr id="28" name="Gerader Verbinder 13"/>
           <p:cNvCxnSpPr>
-            <a:stCxn id="22" idx="1"/>
+            <a:cxnSpLocks/>
+            <a:stCxn id="20" idx="3"/>
             <a:endCxn id="18" idx="1"/>
           </p:cNvCxnSpPr>
           <p:nvPr/>
         </p:nvCxnSpPr>
         <p:spPr>
-          <a:xfrm rot="10800000" flipH="1">
-            <a:off x="5589919" y="1492599"/>
-            <a:ext cx="81200" cy="4021369"/>
-          </a:xfrm>
-          <a:prstGeom prst="bentConnector3">
-            <a:avLst>
-              <a:gd name="adj1" fmla="val -281527"/>
-            </a:avLst>
+          <a:xfrm>
+            <a:off x="2959484" y="1502215"/>
+            <a:ext cx="2711635" cy="0"/>
+          </a:xfrm>
+          <a:prstGeom prst="straightConnector1">
+            <a:avLst/>
           </a:prstGeom>
           <a:ln w="12700">
             <a:solidFill>
@@ -3850,6 +3800,7 @@
         <p:nvCxnSpPr>
           <p:cNvPr id="32" name="Gerader Verbinder 13"/>
           <p:cNvCxnSpPr>
+            <a:cxnSpLocks/>
             <a:stCxn id="22" idx="1"/>
             <a:endCxn id="20" idx="3"/>
           </p:cNvCxnSpPr>
@@ -3862,7 +3813,7 @@
           </a:xfrm>
           <a:prstGeom prst="bentConnector3">
             <a:avLst>
-              <a:gd name="adj1" fmla="val 59345"/>
+              <a:gd name="adj1" fmla="val 50000"/>
             </a:avLst>
           </a:prstGeom>
           <a:ln w="12700">
@@ -3890,21 +3841,18 @@
         <p:nvCxnSpPr>
           <p:cNvPr id="35" name="Gerader Verbinder 13"/>
           <p:cNvCxnSpPr>
-            <a:stCxn id="22" idx="1"/>
+            <a:cxnSpLocks/>
             <a:endCxn id="7" idx="0"/>
           </p:cNvCxnSpPr>
           <p:nvPr/>
         </p:nvCxnSpPr>
         <p:spPr>
-          <a:xfrm rot="10800000">
-            <a:off x="1833115" y="3907765"/>
-            <a:ext cx="3756804" cy="1606202"/>
-          </a:xfrm>
-          <a:prstGeom prst="bentConnector4">
-            <a:avLst>
-              <a:gd name="adj1" fmla="val 48737"/>
-              <a:gd name="adj2" fmla="val 114232"/>
-            </a:avLst>
+          <a:xfrm rot="10800000" flipV="1">
+            <a:off x="1833116" y="3503021"/>
+            <a:ext cx="2432881" cy="404743"/>
+          </a:xfrm>
+          <a:prstGeom prst="bentConnector2">
+            <a:avLst/>
           </a:prstGeom>
           <a:ln w="12700">
             <a:solidFill>
@@ -3935,8 +3883,8 @@
         </p:nvSpPr>
         <p:spPr>
           <a:xfrm>
-            <a:off x="9141364" y="1268018"/>
-            <a:ext cx="2640317" cy="1758565"/>
+            <a:off x="10723523" y="5762673"/>
+            <a:ext cx="1385160" cy="922576"/>
           </a:xfrm>
           <a:prstGeom prst="cloud">
             <a:avLst/>
@@ -3963,7 +3911,7 @@
           <a:lstStyle/>
           <a:p>
             <a:pPr algn="ctr"/>
-            <a:endParaRPr lang="de-DE"/>
+            <a:endParaRPr lang="en-GB"/>
           </a:p>
         </p:txBody>
       </p:sp>
@@ -3971,15 +3919,16 @@
         <p:nvCxnSpPr>
           <p:cNvPr id="41" name="Gerader Verbinder 13"/>
           <p:cNvCxnSpPr>
+            <a:cxnSpLocks/>
             <a:stCxn id="24" idx="3"/>
-            <a:endCxn id="39" idx="1"/>
+            <a:endCxn id="39" idx="3"/>
           </p:cNvCxnSpPr>
           <p:nvPr/>
         </p:nvCxnSpPr>
         <p:spPr>
-          <a:xfrm flipV="1">
-            <a:off x="10156728" y="3024710"/>
-            <a:ext cx="304795" cy="2450196"/>
+          <a:xfrm>
+            <a:off x="10156728" y="5474906"/>
+            <a:ext cx="1259375" cy="340516"/>
           </a:xfrm>
           <a:prstGeom prst="bentConnector2">
             <a:avLst/>
@@ -3989,6 +3938,142 @@
               <a:schemeClr val="tx1"/>
             </a:solidFill>
             <a:tailEnd type="triangle"/>
+          </a:ln>
+        </p:spPr>
+        <p:style>
+          <a:lnRef idx="1">
+            <a:schemeClr val="accent1"/>
+          </a:lnRef>
+          <a:fillRef idx="0">
+            <a:schemeClr val="accent1"/>
+          </a:fillRef>
+          <a:effectRef idx="0">
+            <a:schemeClr val="accent1"/>
+          </a:effectRef>
+          <a:fontRef idx="minor">
+            <a:schemeClr val="tx1"/>
+          </a:fontRef>
+        </p:style>
+      </p:cxnSp>
+      <p:sp>
+        <p:nvSpPr>
+          <p:cNvPr id="42" name="Rechteck 10">
+            <a:extLst>
+              <a:ext uri="{FF2B5EF4-FFF2-40B4-BE49-F238E27FC236}">
+                <a16:creationId xmlns:a16="http://schemas.microsoft.com/office/drawing/2014/main" id="{6D314836-D7ED-4B63-B0E6-78E58F798452}"/>
+              </a:ext>
+            </a:extLst>
+          </p:cNvPr>
+          <p:cNvSpPr/>
+          <p:nvPr/>
+        </p:nvSpPr>
+        <p:spPr>
+          <a:xfrm>
+            <a:off x="7157251" y="3096428"/>
+            <a:ext cx="3308733" cy="922576"/>
+          </a:xfrm>
+          <a:prstGeom prst="rect">
+            <a:avLst/>
+          </a:prstGeom>
+          <a:solidFill>
+            <a:srgbClr val="00B050">
+              <a:alpha val="54000"/>
+            </a:srgbClr>
+          </a:solidFill>
+          <a:ln>
+            <a:solidFill>
+              <a:schemeClr val="tx1"/>
+            </a:solidFill>
+          </a:ln>
+        </p:spPr>
+        <p:style>
+          <a:lnRef idx="2">
+            <a:schemeClr val="accent1">
+              <a:shade val="50000"/>
+            </a:schemeClr>
+          </a:lnRef>
+          <a:fillRef idx="1">
+            <a:schemeClr val="accent1"/>
+          </a:fillRef>
+          <a:effectRef idx="0">
+            <a:schemeClr val="accent1"/>
+          </a:effectRef>
+          <a:fontRef idx="minor">
+            <a:schemeClr val="lt1"/>
+          </a:fontRef>
+        </p:style>
+        <p:txBody>
+          <a:bodyPr rtlCol="0" anchor="ctr"/>
+          <a:lstStyle/>
+          <a:p>
+            <a:pPr algn="ctr"/>
+            <a:endParaRPr lang="en-GB"/>
+          </a:p>
+        </p:txBody>
+      </p:sp>
+      <p:sp>
+        <p:nvSpPr>
+          <p:cNvPr id="43" name="Rechteck 11">
+            <a:extLst>
+              <a:ext uri="{FF2B5EF4-FFF2-40B4-BE49-F238E27FC236}">
+                <a16:creationId xmlns:a16="http://schemas.microsoft.com/office/drawing/2014/main" id="{374D7658-D4A7-4489-8C08-DA9637DE5481}"/>
+              </a:ext>
+            </a:extLst>
+          </p:cNvPr>
+          <p:cNvSpPr/>
+          <p:nvPr/>
+        </p:nvSpPr>
+        <p:spPr>
+          <a:xfrm>
+            <a:off x="8294472" y="2700198"/>
+            <a:ext cx="877228" cy="369332"/>
+          </a:xfrm>
+          <a:prstGeom prst="rect">
+            <a:avLst/>
+          </a:prstGeom>
+        </p:spPr>
+        <p:txBody>
+          <a:bodyPr wrap="none">
+            <a:spAutoFit/>
+          </a:bodyPr>
+          <a:lstStyle/>
+          <a:p>
+            <a:pPr algn="ctr"/>
+            <a:r>
+              <a:rPr lang="en-GB"/>
+              <a:t>Garden</a:t>
+            </a:r>
+          </a:p>
+        </p:txBody>
+      </p:sp>
+      <p:cxnSp>
+        <p:nvCxnSpPr>
+          <p:cNvPr id="44" name="Gerader Verbinder 13">
+            <a:extLst>
+              <a:ext uri="{FF2B5EF4-FFF2-40B4-BE49-F238E27FC236}">
+                <a16:creationId xmlns:a16="http://schemas.microsoft.com/office/drawing/2014/main" id="{A17D0418-D4F9-489C-AB61-3266B751EE13}"/>
+              </a:ext>
+            </a:extLst>
+          </p:cNvPr>
+          <p:cNvCxnSpPr>
+            <a:cxnSpLocks/>
+            <a:stCxn id="42" idx="1"/>
+            <a:endCxn id="11" idx="2"/>
+          </p:cNvCxnSpPr>
+          <p:nvPr/>
+        </p:nvCxnSpPr>
+        <p:spPr>
+          <a:xfrm rot="10800000">
+            <a:off x="6137309" y="3227036"/>
+            <a:ext cx="1019943" cy="330681"/>
+          </a:xfrm>
+          <a:prstGeom prst="bentConnector2">
+            <a:avLst/>
+          </a:prstGeom>
+          <a:ln w="41275">
+            <a:solidFill>
+              <a:schemeClr val="tx1"/>
+            </a:solidFill>
           </a:ln>
         </p:spPr>
         <p:style>
@@ -4059,7 +4144,7 @@
           <a:lstStyle/>
           <a:p>
             <a:r>
-              <a:rPr lang="de-DE" sz="1400" dirty="0" smtClean="0"/>
+              <a:rPr lang="de-DE" sz="1400" dirty="0"/>
               <a:t>Reservoir:</a:t>
             </a:r>
           </a:p>
@@ -4069,82 +4154,82 @@
               <a:buChar char="•"/>
             </a:pPr>
             <a:r>
-              <a:rPr lang="de-DE" sz="1400" dirty="0" err="1" smtClean="0"/>
+              <a:rPr lang="de-DE" sz="1400" dirty="0" err="1"/>
               <a:t>Make</a:t>
             </a:r>
             <a:r>
-              <a:rPr lang="de-DE" sz="1400" dirty="0" smtClean="0"/>
+              <a:rPr lang="de-DE" sz="1400" dirty="0"/>
               <a:t> </a:t>
             </a:r>
             <a:r>
-              <a:rPr lang="de-DE" sz="1400" dirty="0" err="1" smtClean="0"/>
+              <a:rPr lang="de-DE" sz="1400" dirty="0" err="1"/>
               <a:t>sure</a:t>
             </a:r>
             <a:r>
-              <a:rPr lang="de-DE" sz="1400" dirty="0" smtClean="0"/>
+              <a:rPr lang="de-DE" sz="1400" dirty="0"/>
               <a:t> </a:t>
             </a:r>
             <a:r>
-              <a:rPr lang="de-DE" sz="1400" dirty="0" err="1" smtClean="0"/>
+              <a:rPr lang="de-DE" sz="1400" dirty="0" err="1"/>
               <a:t>pipe</a:t>
             </a:r>
             <a:r>
-              <a:rPr lang="de-DE" sz="1400" dirty="0" smtClean="0"/>
+              <a:rPr lang="de-DE" sz="1400" dirty="0"/>
               <a:t> </a:t>
             </a:r>
             <a:r>
-              <a:rPr lang="de-DE" sz="1400" dirty="0" err="1" smtClean="0"/>
+              <a:rPr lang="de-DE" sz="1400" dirty="0" err="1"/>
               <a:t>is</a:t>
             </a:r>
             <a:r>
-              <a:rPr lang="de-DE" sz="1400" dirty="0" smtClean="0"/>
+              <a:rPr lang="de-DE" sz="1400" dirty="0"/>
               <a:t> in </a:t>
             </a:r>
             <a:r>
-              <a:rPr lang="de-DE" sz="1400" dirty="0" err="1" smtClean="0"/>
+              <a:rPr lang="de-DE" sz="1400" dirty="0" err="1"/>
               <a:t>the</a:t>
             </a:r>
             <a:r>
-              <a:rPr lang="de-DE" sz="1400" dirty="0" smtClean="0"/>
+              <a:rPr lang="de-DE" sz="1400" dirty="0"/>
               <a:t> </a:t>
             </a:r>
             <a:r>
-              <a:rPr lang="de-DE" sz="1400" dirty="0" err="1" smtClean="0"/>
+              <a:rPr lang="de-DE" sz="1400" dirty="0" err="1"/>
               <a:t>bottom</a:t>
             </a:r>
             <a:r>
-              <a:rPr lang="de-DE" sz="1400" dirty="0" smtClean="0"/>
+              <a:rPr lang="de-DE" sz="1400" dirty="0"/>
               <a:t> </a:t>
             </a:r>
             <a:r>
-              <a:rPr lang="de-DE" sz="1400" dirty="0" err="1" smtClean="0"/>
+              <a:rPr lang="de-DE" sz="1400" dirty="0" err="1"/>
               <a:t>below</a:t>
             </a:r>
             <a:r>
-              <a:rPr lang="de-DE" sz="1400" dirty="0" smtClean="0"/>
+              <a:rPr lang="de-DE" sz="1400" dirty="0"/>
               <a:t> </a:t>
             </a:r>
             <a:r>
-              <a:rPr lang="de-DE" sz="1400" dirty="0" err="1" smtClean="0"/>
+              <a:rPr lang="de-DE" sz="1400" dirty="0" err="1"/>
               <a:t>the</a:t>
             </a:r>
             <a:r>
-              <a:rPr lang="de-DE" sz="1400" dirty="0" smtClean="0"/>
+              <a:rPr lang="de-DE" sz="1400" dirty="0"/>
               <a:t> Empty </a:t>
             </a:r>
             <a:r>
-              <a:rPr lang="de-DE" sz="1400" dirty="0" err="1" smtClean="0"/>
+              <a:rPr lang="de-DE" sz="1400" dirty="0" err="1"/>
               <a:t>sensor</a:t>
             </a:r>
-            <a:endParaRPr lang="de-DE" sz="1400" dirty="0" smtClean="0"/>
-          </a:p>
-          <a:p>
-            <a:r>
-              <a:rPr lang="de-DE" sz="1400" dirty="0" err="1" smtClean="0"/>
+            <a:endParaRPr lang="de-DE" sz="1400" dirty="0"/>
+          </a:p>
+          <a:p>
+            <a:r>
+              <a:rPr lang="de-DE" sz="1400" dirty="0" err="1"/>
               <a:t>Ruler</a:t>
             </a:r>
             <a:r>
-              <a:rPr lang="de-DE" sz="1400" dirty="0" smtClean="0"/>
+              <a:rPr lang="de-DE" sz="1400" dirty="0"/>
               <a:t> Sensor:</a:t>
             </a:r>
           </a:p>
@@ -4154,42 +4239,42 @@
               <a:buChar char="•"/>
             </a:pPr>
             <a:r>
-              <a:rPr lang="de-DE" sz="1400" dirty="0" err="1" smtClean="0"/>
+              <a:rPr lang="de-DE" sz="1400" dirty="0" err="1"/>
               <a:t>Full</a:t>
             </a:r>
             <a:r>
-              <a:rPr lang="de-DE" sz="1400" dirty="0" smtClean="0"/>
+              <a:rPr lang="de-DE" sz="1400" dirty="0"/>
               <a:t> -&gt; </a:t>
             </a:r>
             <a:r>
-              <a:rPr lang="de-DE" sz="1400" dirty="0" err="1" smtClean="0"/>
+              <a:rPr lang="de-DE" sz="1400" dirty="0" err="1"/>
               <a:t>indicate</a:t>
             </a:r>
             <a:r>
-              <a:rPr lang="de-DE" sz="1400" dirty="0" smtClean="0"/>
+              <a:rPr lang="de-DE" sz="1400" dirty="0"/>
               <a:t> in </a:t>
             </a:r>
             <a:r>
-              <a:rPr lang="de-DE" sz="1400" dirty="0" err="1" smtClean="0"/>
+              <a:rPr lang="de-DE" sz="1400" dirty="0" err="1"/>
               <a:t>the</a:t>
             </a:r>
             <a:r>
-              <a:rPr lang="de-DE" sz="1400" dirty="0" smtClean="0"/>
+              <a:rPr lang="de-DE" sz="1400" dirty="0"/>
               <a:t> LCD, RSV2 </a:t>
             </a:r>
             <a:r>
-              <a:rPr lang="de-DE" sz="1400" dirty="0" err="1" smtClean="0"/>
+              <a:rPr lang="de-DE" sz="1400" dirty="0" err="1"/>
               <a:t>is</a:t>
             </a:r>
             <a:r>
-              <a:rPr lang="de-DE" sz="1400" dirty="0" smtClean="0"/>
+              <a:rPr lang="de-DE" sz="1400" dirty="0"/>
               <a:t> </a:t>
             </a:r>
             <a:r>
-              <a:rPr lang="de-DE" sz="1400" dirty="0" err="1" smtClean="0"/>
+              <a:rPr lang="de-DE" sz="1400" dirty="0" err="1"/>
               <a:t>full</a:t>
             </a:r>
-            <a:endParaRPr lang="de-DE" sz="1400" dirty="0" smtClean="0"/>
+            <a:endParaRPr lang="de-DE" sz="1400" dirty="0"/>
           </a:p>
           <a:p>
             <a:pPr marL="285750" indent="-285750">
@@ -4197,59 +4282,59 @@
               <a:buChar char="•"/>
             </a:pPr>
             <a:r>
-              <a:rPr lang="de-DE" sz="1400" dirty="0" err="1" smtClean="0"/>
+              <a:rPr lang="de-DE" sz="1400" dirty="0" err="1"/>
               <a:t>Refill</a:t>
             </a:r>
             <a:r>
-              <a:rPr lang="de-DE" sz="1400" dirty="0" smtClean="0"/>
+              <a:rPr lang="de-DE" sz="1400" dirty="0"/>
               <a:t> -&gt; </a:t>
             </a:r>
             <a:r>
-              <a:rPr lang="de-DE" sz="1400" dirty="0" err="1" smtClean="0"/>
+              <a:rPr lang="de-DE" sz="1400" dirty="0" err="1"/>
               <a:t>indicate</a:t>
             </a:r>
             <a:r>
-              <a:rPr lang="de-DE" sz="1400" dirty="0" smtClean="0"/>
+              <a:rPr lang="de-DE" sz="1400" dirty="0"/>
               <a:t> in </a:t>
             </a:r>
             <a:r>
-              <a:rPr lang="de-DE" sz="1400" dirty="0" err="1" smtClean="0"/>
+              <a:rPr lang="de-DE" sz="1400" dirty="0" err="1"/>
               <a:t>the</a:t>
             </a:r>
             <a:r>
-              <a:rPr lang="de-DE" sz="1400" dirty="0" smtClean="0"/>
+              <a:rPr lang="de-DE" sz="1400" dirty="0"/>
               <a:t> LCD </a:t>
             </a:r>
             <a:r>
-              <a:rPr lang="de-DE" sz="1400" dirty="0" err="1" smtClean="0"/>
+              <a:rPr lang="de-DE" sz="1400" dirty="0" err="1"/>
               <a:t>to</a:t>
             </a:r>
             <a:r>
-              <a:rPr lang="de-DE" sz="1400" dirty="0" smtClean="0"/>
+              <a:rPr lang="de-DE" sz="1400" dirty="0"/>
               <a:t> </a:t>
             </a:r>
             <a:r>
-              <a:rPr lang="de-DE" sz="1400" dirty="0" err="1" smtClean="0"/>
+              <a:rPr lang="de-DE" sz="1400" dirty="0" err="1"/>
               <a:t>refill</a:t>
             </a:r>
             <a:r>
-              <a:rPr lang="de-DE" sz="1400" dirty="0" smtClean="0"/>
+              <a:rPr lang="de-DE" sz="1400" dirty="0"/>
               <a:t> RSV2 (</a:t>
             </a:r>
             <a:r>
-              <a:rPr lang="de-DE" sz="1400" dirty="0" err="1" smtClean="0"/>
+              <a:rPr lang="de-DE" sz="1400" dirty="0" err="1"/>
               <a:t>yellow</a:t>
             </a:r>
             <a:r>
-              <a:rPr lang="de-DE" sz="1400" dirty="0" smtClean="0"/>
+              <a:rPr lang="de-DE" sz="1400" dirty="0"/>
               <a:t> LED blink </a:t>
             </a:r>
             <a:r>
-              <a:rPr lang="de-DE" sz="1400" dirty="0" err="1" smtClean="0"/>
+              <a:rPr lang="de-DE" sz="1400" dirty="0" err="1"/>
               <a:t>slowly</a:t>
             </a:r>
             <a:r>
-              <a:rPr lang="de-DE" sz="1400" dirty="0" smtClean="0"/>
+              <a:rPr lang="de-DE" sz="1400" dirty="0"/>
               <a:t>)</a:t>
             </a:r>
           </a:p>
@@ -4259,54 +4344,54 @@
               <a:buChar char="•"/>
             </a:pPr>
             <a:r>
-              <a:rPr lang="de-DE" sz="1400" dirty="0" smtClean="0"/>
+              <a:rPr lang="de-DE" sz="1400" dirty="0"/>
               <a:t>Empty -&gt; </a:t>
             </a:r>
             <a:r>
-              <a:rPr lang="de-DE" sz="1400" dirty="0" err="1" smtClean="0"/>
+              <a:rPr lang="de-DE" sz="1400" dirty="0" err="1"/>
               <a:t>indicate</a:t>
             </a:r>
             <a:r>
-              <a:rPr lang="de-DE" sz="1400" dirty="0" smtClean="0"/>
+              <a:rPr lang="de-DE" sz="1400" dirty="0"/>
               <a:t> in </a:t>
             </a:r>
             <a:r>
-              <a:rPr lang="de-DE" sz="1400" dirty="0" err="1" smtClean="0"/>
+              <a:rPr lang="de-DE" sz="1400" dirty="0" err="1"/>
               <a:t>the</a:t>
             </a:r>
             <a:r>
-              <a:rPr lang="de-DE" sz="1400" dirty="0" smtClean="0"/>
+              <a:rPr lang="de-DE" sz="1400" dirty="0"/>
               <a:t> LCD </a:t>
             </a:r>
             <a:r>
-              <a:rPr lang="de-DE" sz="1400" dirty="0" err="1" smtClean="0"/>
+              <a:rPr lang="de-DE" sz="1400" dirty="0" err="1"/>
               <a:t>refill</a:t>
             </a:r>
             <a:r>
-              <a:rPr lang="de-DE" sz="1400" dirty="0" smtClean="0"/>
+              <a:rPr lang="de-DE" sz="1400" dirty="0"/>
               <a:t> urgent (</a:t>
             </a:r>
             <a:r>
-              <a:rPr lang="de-DE" sz="1400" dirty="0" err="1" smtClean="0"/>
+              <a:rPr lang="de-DE" sz="1400" dirty="0" err="1"/>
               <a:t>red</a:t>
             </a:r>
             <a:r>
-              <a:rPr lang="de-DE" sz="1400" dirty="0" smtClean="0"/>
+              <a:rPr lang="de-DE" sz="1400" dirty="0"/>
               <a:t> LED blink fast), block </a:t>
             </a:r>
             <a:r>
-              <a:rPr lang="de-DE" sz="1400" dirty="0" err="1" smtClean="0"/>
+              <a:rPr lang="de-DE" sz="1400" dirty="0" err="1"/>
               <a:t>the</a:t>
             </a:r>
             <a:r>
-              <a:rPr lang="de-DE" sz="1400" dirty="0" smtClean="0"/>
+              <a:rPr lang="de-DE" sz="1400" dirty="0"/>
               <a:t> </a:t>
             </a:r>
             <a:r>
-              <a:rPr lang="de-DE" sz="1400" dirty="0" err="1" smtClean="0"/>
+              <a:rPr lang="de-DE" sz="1400" dirty="0" err="1"/>
               <a:t>motor</a:t>
             </a:r>
-            <a:endParaRPr lang="de-DE" sz="1400" dirty="0" smtClean="0"/>
+            <a:endParaRPr lang="de-DE" sz="1400" dirty="0"/>
           </a:p>
           <a:p>
             <a:pPr marL="285750" indent="-285750">
